--- a/GO门.pptx
+++ b/GO门.pptx
@@ -5,10 +5,10 @@
     <p:sldMasterId id="2147483648" r:id="rId1"/>
   </p:sldMasterIdLst>
   <p:notesMasterIdLst>
-    <p:notesMasterId r:id="rId18"/>
+    <p:notesMasterId r:id="rId30"/>
   </p:notesMasterIdLst>
   <p:handoutMasterIdLst>
-    <p:handoutMasterId r:id="rId19"/>
+    <p:handoutMasterId r:id="rId31"/>
   </p:handoutMasterIdLst>
   <p:sldIdLst>
     <p:sldId id="261" r:id="rId3"/>
@@ -25,7 +25,19 @@
     <p:sldId id="344" r:id="rId14"/>
     <p:sldId id="343" r:id="rId15"/>
     <p:sldId id="342" r:id="rId16"/>
-    <p:sldId id="326" r:id="rId17"/>
+    <p:sldId id="353" r:id="rId17"/>
+    <p:sldId id="355" r:id="rId18"/>
+    <p:sldId id="356" r:id="rId19"/>
+    <p:sldId id="357" r:id="rId20"/>
+    <p:sldId id="358" r:id="rId21"/>
+    <p:sldId id="359" r:id="rId22"/>
+    <p:sldId id="360" r:id="rId23"/>
+    <p:sldId id="361" r:id="rId24"/>
+    <p:sldId id="362" r:id="rId25"/>
+    <p:sldId id="363" r:id="rId26"/>
+    <p:sldId id="364" r:id="rId27"/>
+    <p:sldId id="354" r:id="rId28"/>
+    <p:sldId id="326" r:id="rId29"/>
   </p:sldIdLst>
   <p:sldSz cx="9144000" cy="6858000" type="screen4x3"/>
   <p:notesSz cx="6858000" cy="9144000"/>
@@ -1373,7 +1385,7 @@
         </p:blipFill>
         <p:spPr>
           <a:xfrm>
-            <a:off x="7847965" y="3806190"/>
+            <a:off x="7979410" y="1886585"/>
             <a:ext cx="819150" cy="1114425"/>
           </a:xfrm>
           <a:prstGeom prst="rect">
@@ -1924,6 +1936,59 @@
           </a:p>
         </p:txBody>
       </p:sp>
+      <p:graphicFrame>
+        <p:nvGraphicFramePr>
+          <p:cNvPr id="5" name="对象 4">
+            <a:hlinkClick r:id="" action="ppaction://ole?verb="/>
+          </p:cNvPr>
+          <p:cNvGraphicFramePr>
+            <a:graphicFrameLocks noChangeAspect="1"/>
+          </p:cNvGraphicFramePr>
+          <p:nvPr/>
+        </p:nvGraphicFramePr>
+        <p:xfrm>
+          <a:off x="2301875" y="3195955"/>
+          <a:ext cx="4539615" cy="465455"/>
+        </p:xfrm>
+        <a:graphic>
+          <a:graphicData uri="http://schemas.openxmlformats.org/presentationml/2006/ole">
+            <mc:AlternateContent xmlns:mc="http://schemas.openxmlformats.org/markup-compatibility/2006">
+              <mc:Choice xmlns:v="urn:schemas-microsoft-com:vml" Requires="v">
+                <p:oleObj spid="_x0000_s2049" name="" r:id="rId1" imgW="4539615" imgH="465455" progId="Package">
+                  <p:embed/>
+                </p:oleObj>
+              </mc:Choice>
+              <mc:Fallback>
+                <p:oleObj name="" r:id="rId1" imgW="4539615" imgH="465455" progId="Package">
+                  <p:embed/>
+                  <p:pic>
+                    <p:nvPicPr>
+                      <p:cNvPr id="0" name="图片 2048"/>
+                      <p:cNvPicPr/>
+                      <p:nvPr/>
+                    </p:nvPicPr>
+                    <p:blipFill>
+                      <a:blip r:embed="rId2"/>
+                      <a:stretch>
+                        <a:fillRect/>
+                      </a:stretch>
+                    </p:blipFill>
+                    <p:spPr>
+                      <a:xfrm>
+                        <a:off x="2301875" y="3195955"/>
+                        <a:ext cx="4539615" cy="465455"/>
+                      </a:xfrm>
+                      <a:prstGeom prst="rect">
+                        <a:avLst/>
+                      </a:prstGeom>
+                    </p:spPr>
+                  </p:pic>
+                </p:oleObj>
+              </mc:Fallback>
+            </mc:AlternateContent>
+          </a:graphicData>
+        </a:graphic>
+      </p:graphicFrame>
     </p:spTree>
   </p:cSld>
   <p:clrMapOvr>
@@ -2134,6 +2199,2036 @@
 </file>
 
 <file path=ppt/slides/slide15.xml><?xml version="1.0" encoding="utf-8"?>
+<p:sld xmlns:a="http://schemas.openxmlformats.org/drawingml/2006/main" xmlns:r="http://schemas.openxmlformats.org/officeDocument/2006/relationships" xmlns:p="http://schemas.openxmlformats.org/presentationml/2006/main">
+  <p:cSld>
+    <p:spTree>
+      <p:nvGrpSpPr>
+        <p:cNvPr id="1" name=""/>
+        <p:cNvGrpSpPr/>
+        <p:nvPr/>
+      </p:nvGrpSpPr>
+      <p:grpSpPr/>
+      <p:sp>
+        <p:nvSpPr>
+          <p:cNvPr id="2" name="日期占位符 1"/>
+          <p:cNvSpPr>
+            <a:spLocks noGrp="1"/>
+          </p:cNvSpPr>
+          <p:nvPr>
+            <p:ph type="dt" sz="half" idx="10"/>
+          </p:nvPr>
+        </p:nvSpPr>
+        <p:spPr/>
+        <p:txBody>
+          <a:bodyPr/>
+          <a:p>
+            <a:r>
+              <a:rPr lang="en-US" altLang="zh-CN" dirty="0" smtClean="0"/>
+              <a:t>2013.05.04</a:t>
+            </a:r>
+            <a:endParaRPr lang="zh-CN" altLang="en-US" dirty="0"/>
+          </a:p>
+        </p:txBody>
+      </p:sp>
+      <p:sp>
+        <p:nvSpPr>
+          <p:cNvPr id="3" name="灯片编号占位符 2"/>
+          <p:cNvSpPr>
+            <a:spLocks noGrp="1"/>
+          </p:cNvSpPr>
+          <p:nvPr>
+            <p:ph type="sldNum" sz="quarter" idx="12"/>
+          </p:nvPr>
+        </p:nvSpPr>
+        <p:spPr/>
+        <p:txBody>
+          <a:bodyPr/>
+          <a:p>
+            <a:fld id="{0C913308-F349-4B6D-A68A-DD1791B4A57B}" type="slidenum">
+              <a:rPr lang="zh-CN" altLang="en-US" smtClean="0"/>
+            </a:fld>
+            <a:endParaRPr lang="zh-CN" altLang="en-US"/>
+          </a:p>
+        </p:txBody>
+      </p:sp>
+      <p:sp>
+        <p:nvSpPr>
+          <p:cNvPr id="4" name="文本框 3"/>
+          <p:cNvSpPr txBox="1"/>
+          <p:nvPr/>
+        </p:nvSpPr>
+        <p:spPr>
+          <a:xfrm>
+            <a:off x="565150" y="1265555"/>
+            <a:ext cx="8084820" cy="4154170"/>
+          </a:xfrm>
+          <a:prstGeom prst="rect">
+            <a:avLst/>
+          </a:prstGeom>
+          <a:noFill/>
+        </p:spPr>
+        <p:txBody>
+          <a:bodyPr wrap="square" rtlCol="0" anchor="t">
+            <a:spAutoFit/>
+          </a:bodyPr>
+          <a:p>
+            <a:r>
+              <a:rPr lang="zh-CN" altLang="en-US" sz="2400" b="1"/>
+              <a:t>• 静态</a:t>
+            </a:r>
+            <a:r>
+              <a:rPr lang="zh-CN" altLang="en-US" sz="2400" b="1">
+                <a:sym typeface="+mn-ea"/>
+              </a:rPr>
+              <a:t>编译</a:t>
+            </a:r>
+            <a:r>
+              <a:rPr lang="zh-CN" altLang="en-US" sz="2400" b="1"/>
+              <a:t>类型</a:t>
+            </a:r>
+            <a:endParaRPr lang="zh-CN" altLang="en-US" sz="2400" b="1"/>
+          </a:p>
+          <a:p>
+            <a:endParaRPr lang="zh-CN" altLang="en-US" sz="2400" b="1"/>
+          </a:p>
+          <a:p>
+            <a:r>
+              <a:rPr lang="zh-CN" altLang="en-US" sz="2400" b="1"/>
+              <a:t>• 单独的二进制发布</a:t>
+            </a:r>
+            <a:endParaRPr lang="zh-CN" altLang="en-US" sz="2400" b="1"/>
+          </a:p>
+          <a:p>
+            <a:endParaRPr lang="zh-CN" altLang="en-US" sz="2400" b="1"/>
+          </a:p>
+          <a:p>
+            <a:r>
+              <a:rPr lang="zh-CN" altLang="en-US" sz="2400" b="1"/>
+              <a:t>• 垃圾回收</a:t>
+            </a:r>
+            <a:endParaRPr lang="zh-CN" altLang="en-US" sz="2400" b="1"/>
+          </a:p>
+          <a:p>
+            <a:endParaRPr lang="zh-CN" altLang="en-US" sz="2400" b="1"/>
+          </a:p>
+          <a:p>
+            <a:r>
+              <a:rPr lang="zh-CN" altLang="en-US" sz="2400" b="1"/>
+              <a:t>• 可以连接到流行的 C 库</a:t>
+            </a:r>
+            <a:endParaRPr lang="zh-CN" altLang="en-US" sz="2400" b="1"/>
+          </a:p>
+          <a:p>
+            <a:endParaRPr lang="zh-CN" altLang="en-US" sz="2400" b="1"/>
+          </a:p>
+          <a:p>
+            <a:r>
+              <a:rPr lang="zh-CN" altLang="en-US" sz="2400" b="1"/>
+              <a:t>• 丰富的文档</a:t>
+            </a:r>
+            <a:endParaRPr lang="zh-CN" altLang="en-US" sz="2400" b="1"/>
+          </a:p>
+          <a:p>
+            <a:endParaRPr lang="zh-CN" altLang="en-US" sz="2400" b="1"/>
+          </a:p>
+          <a:p>
+            <a:r>
+              <a:rPr lang="zh-CN" altLang="en-US" sz="2400" b="1"/>
+              <a:t>• 拥有一个充满活力并持续成长的社区</a:t>
+            </a:r>
+            <a:endParaRPr lang="zh-CN" altLang="en-US" sz="2400" b="1"/>
+          </a:p>
+        </p:txBody>
+      </p:sp>
+      <p:sp>
+        <p:nvSpPr>
+          <p:cNvPr id="5" name="文本框 4"/>
+          <p:cNvSpPr txBox="1"/>
+          <p:nvPr/>
+        </p:nvSpPr>
+        <p:spPr>
+          <a:xfrm>
+            <a:off x="3337560" y="545465"/>
+            <a:ext cx="2540000" cy="521970"/>
+          </a:xfrm>
+          <a:prstGeom prst="rect">
+            <a:avLst/>
+          </a:prstGeom>
+          <a:noFill/>
+        </p:spPr>
+        <p:txBody>
+          <a:bodyPr wrap="square" rtlCol="0" anchor="t">
+            <a:spAutoFit/>
+          </a:bodyPr>
+          <a:p>
+            <a:pPr algn="ctr"/>
+            <a:r>
+              <a:rPr lang="zh-CN" altLang="en-US" sz="2800" b="1"/>
+              <a:t>优点</a:t>
+            </a:r>
+            <a:endParaRPr lang="zh-CN" altLang="en-US" sz="2800" b="1"/>
+          </a:p>
+        </p:txBody>
+      </p:sp>
+    </p:spTree>
+  </p:cSld>
+  <p:clrMapOvr>
+    <a:masterClrMapping/>
+  </p:clrMapOvr>
+</p:sld>
+</file>
+
+<file path=ppt/slides/slide16.xml><?xml version="1.0" encoding="utf-8"?>
+<p:sld xmlns:a="http://schemas.openxmlformats.org/drawingml/2006/main" xmlns:r="http://schemas.openxmlformats.org/officeDocument/2006/relationships" xmlns:p="http://schemas.openxmlformats.org/presentationml/2006/main">
+  <p:cSld>
+    <p:spTree>
+      <p:nvGrpSpPr>
+        <p:cNvPr id="1" name=""/>
+        <p:cNvGrpSpPr/>
+        <p:nvPr/>
+      </p:nvGrpSpPr>
+      <p:grpSpPr/>
+      <p:sp>
+        <p:nvSpPr>
+          <p:cNvPr id="2" name="日期占位符 1"/>
+          <p:cNvSpPr>
+            <a:spLocks noGrp="1"/>
+          </p:cNvSpPr>
+          <p:nvPr>
+            <p:ph type="dt" sz="half" idx="10"/>
+          </p:nvPr>
+        </p:nvSpPr>
+        <p:spPr/>
+        <p:txBody>
+          <a:bodyPr/>
+          <a:p>
+            <a:r>
+              <a:rPr lang="en-US" altLang="zh-CN" dirty="0" smtClean="0"/>
+              <a:t>2013.05.04</a:t>
+            </a:r>
+            <a:endParaRPr lang="zh-CN" altLang="en-US" dirty="0"/>
+          </a:p>
+        </p:txBody>
+      </p:sp>
+      <p:sp>
+        <p:nvSpPr>
+          <p:cNvPr id="3" name="灯片编号占位符 2"/>
+          <p:cNvSpPr>
+            <a:spLocks noGrp="1"/>
+          </p:cNvSpPr>
+          <p:nvPr>
+            <p:ph type="sldNum" sz="quarter" idx="12"/>
+          </p:nvPr>
+        </p:nvSpPr>
+        <p:spPr/>
+        <p:txBody>
+          <a:bodyPr/>
+          <a:p>
+            <a:fld id="{0C913308-F349-4B6D-A68A-DD1791B4A57B}" type="slidenum">
+              <a:rPr lang="zh-CN" altLang="en-US" smtClean="0"/>
+            </a:fld>
+            <a:endParaRPr lang="zh-CN" altLang="en-US"/>
+          </a:p>
+        </p:txBody>
+      </p:sp>
+      <p:sp>
+        <p:nvSpPr>
+          <p:cNvPr id="5" name="文本框 4"/>
+          <p:cNvSpPr txBox="1"/>
+          <p:nvPr/>
+        </p:nvSpPr>
+        <p:spPr>
+          <a:xfrm>
+            <a:off x="3302000" y="545465"/>
+            <a:ext cx="2540000" cy="521970"/>
+          </a:xfrm>
+          <a:prstGeom prst="rect">
+            <a:avLst/>
+          </a:prstGeom>
+          <a:noFill/>
+        </p:spPr>
+        <p:txBody>
+          <a:bodyPr wrap="square" rtlCol="0" anchor="t">
+            <a:spAutoFit/>
+          </a:bodyPr>
+          <a:p>
+            <a:pPr algn="ctr"/>
+            <a:r>
+              <a:rPr lang="zh-CN" altLang="en-US" sz="2800" b="1"/>
+              <a:t>缺点</a:t>
+            </a:r>
+            <a:endParaRPr lang="zh-CN" altLang="en-US" sz="2800" b="1"/>
+          </a:p>
+        </p:txBody>
+      </p:sp>
+      <p:sp>
+        <p:nvSpPr>
+          <p:cNvPr id="4" name="文本框 3"/>
+          <p:cNvSpPr txBox="1"/>
+          <p:nvPr/>
+        </p:nvSpPr>
+        <p:spPr>
+          <a:xfrm>
+            <a:off x="394335" y="1276985"/>
+            <a:ext cx="8255635" cy="3969385"/>
+          </a:xfrm>
+          <a:prstGeom prst="rect">
+            <a:avLst/>
+          </a:prstGeom>
+          <a:noFill/>
+        </p:spPr>
+        <p:txBody>
+          <a:bodyPr wrap="square" rtlCol="0" anchor="t">
+            <a:spAutoFit/>
+          </a:bodyPr>
+          <a:p>
+            <a:r>
+              <a:rPr lang="zh-CN" altLang="en-US" sz="2800" b="1"/>
+              <a:t>• 使用第三方代码会让依赖管理变得困难。</a:t>
+            </a:r>
+            <a:endParaRPr lang="zh-CN" altLang="en-US" sz="2800" b="1"/>
+          </a:p>
+          <a:p>
+            <a:endParaRPr lang="zh-CN" altLang="en-US" sz="2800" b="1"/>
+          </a:p>
+          <a:p>
+            <a:r>
+              <a:rPr lang="zh-CN" altLang="en-US" sz="2800" b="1"/>
+              <a:t>• 类型系统很简单，但与经典的面向对象和继承模型有很大不同。它非常像 C。结构 + 接口。没有类。没有继承。</a:t>
+            </a:r>
+            <a:endParaRPr lang="zh-CN" altLang="en-US" sz="2800" b="1"/>
+          </a:p>
+          <a:p>
+            <a:endParaRPr lang="zh-CN" altLang="en-US" sz="2800" b="1"/>
+          </a:p>
+          <a:p>
+            <a:r>
+              <a:rPr lang="zh-CN" altLang="en-US" sz="2800" b="1"/>
+              <a:t>• 没有规范的异常或 try/catch。这可能被认为是一种正面的架构，但 Go 使用的是panic(严重错误)/recover(恢复) 系统。</a:t>
+            </a:r>
+            <a:endParaRPr lang="zh-CN" altLang="en-US" sz="2800" b="1"/>
+          </a:p>
+        </p:txBody>
+      </p:sp>
+    </p:spTree>
+  </p:cSld>
+  <p:clrMapOvr>
+    <a:masterClrMapping/>
+  </p:clrMapOvr>
+</p:sld>
+</file>
+
+<file path=ppt/slides/slide17.xml><?xml version="1.0" encoding="utf-8"?>
+<p:sld xmlns:a="http://schemas.openxmlformats.org/drawingml/2006/main" xmlns:r="http://schemas.openxmlformats.org/officeDocument/2006/relationships" xmlns:p="http://schemas.openxmlformats.org/presentationml/2006/main">
+  <p:cSld>
+    <p:spTree>
+      <p:nvGrpSpPr>
+        <p:cNvPr id="1" name=""/>
+        <p:cNvGrpSpPr/>
+        <p:nvPr/>
+      </p:nvGrpSpPr>
+      <p:grpSpPr/>
+      <p:sp>
+        <p:nvSpPr>
+          <p:cNvPr id="2" name="日期占位符 1"/>
+          <p:cNvSpPr>
+            <a:spLocks noGrp="1"/>
+          </p:cNvSpPr>
+          <p:nvPr>
+            <p:ph type="dt" sz="half" idx="10"/>
+          </p:nvPr>
+        </p:nvSpPr>
+        <p:spPr/>
+        <p:txBody>
+          <a:bodyPr/>
+          <a:p>
+            <a:r>
+              <a:rPr lang="en-US" altLang="zh-CN" dirty="0" smtClean="0"/>
+              <a:t>2013.05.04</a:t>
+            </a:r>
+            <a:endParaRPr lang="zh-CN" altLang="en-US" dirty="0"/>
+          </a:p>
+        </p:txBody>
+      </p:sp>
+      <p:sp>
+        <p:nvSpPr>
+          <p:cNvPr id="3" name="灯片编号占位符 2"/>
+          <p:cNvSpPr>
+            <a:spLocks noGrp="1"/>
+          </p:cNvSpPr>
+          <p:nvPr>
+            <p:ph type="sldNum" sz="quarter" idx="12"/>
+          </p:nvPr>
+        </p:nvSpPr>
+        <p:spPr/>
+        <p:txBody>
+          <a:bodyPr/>
+          <a:p>
+            <a:fld id="{0C913308-F349-4B6D-A68A-DD1791B4A57B}" type="slidenum">
+              <a:rPr lang="zh-CN" altLang="en-US" smtClean="0"/>
+            </a:fld>
+            <a:endParaRPr lang="zh-CN" altLang="en-US"/>
+          </a:p>
+        </p:txBody>
+      </p:sp>
+      <p:sp>
+        <p:nvSpPr>
+          <p:cNvPr id="4" name="文本框 3"/>
+          <p:cNvSpPr txBox="1"/>
+          <p:nvPr/>
+        </p:nvSpPr>
+        <p:spPr>
+          <a:xfrm>
+            <a:off x="3254375" y="2705100"/>
+            <a:ext cx="2634615" cy="583565"/>
+          </a:xfrm>
+          <a:prstGeom prst="rect">
+            <a:avLst/>
+          </a:prstGeom>
+          <a:noFill/>
+        </p:spPr>
+        <p:txBody>
+          <a:bodyPr wrap="none" rtlCol="0" anchor="t">
+            <a:spAutoFit/>
+          </a:bodyPr>
+          <a:p>
+            <a:r>
+              <a:rPr lang="en-US" altLang="zh-CN" sz="3200" b="1" dirty="0" smtClean="0">
+                <a:latin typeface="+mn-ea"/>
+                <a:sym typeface="+mn-ea"/>
+              </a:rPr>
+              <a:t>GO</a:t>
+            </a:r>
+            <a:r>
+              <a:rPr lang="zh-CN" altLang="en-US" sz="3200" b="1" dirty="0" smtClean="0">
+                <a:latin typeface="+mn-ea"/>
+                <a:sym typeface="+mn-ea"/>
+              </a:rPr>
+              <a:t>的基本语法</a:t>
+            </a:r>
+            <a:endParaRPr lang="zh-CN" altLang="en-US" sz="3200" b="1"/>
+          </a:p>
+        </p:txBody>
+      </p:sp>
+    </p:spTree>
+  </p:cSld>
+  <p:clrMapOvr>
+    <a:masterClrMapping/>
+  </p:clrMapOvr>
+</p:sld>
+</file>
+
+<file path=ppt/slides/slide18.xml><?xml version="1.0" encoding="utf-8"?>
+<p:sld xmlns:a="http://schemas.openxmlformats.org/drawingml/2006/main" xmlns:r="http://schemas.openxmlformats.org/officeDocument/2006/relationships" xmlns:p="http://schemas.openxmlformats.org/presentationml/2006/main">
+  <p:cSld>
+    <p:spTree>
+      <p:nvGrpSpPr>
+        <p:cNvPr id="1" name=""/>
+        <p:cNvGrpSpPr/>
+        <p:nvPr/>
+      </p:nvGrpSpPr>
+      <p:grpSpPr/>
+      <p:sp>
+        <p:nvSpPr>
+          <p:cNvPr id="2" name="日期占位符 1"/>
+          <p:cNvSpPr>
+            <a:spLocks noGrp="1"/>
+          </p:cNvSpPr>
+          <p:nvPr>
+            <p:ph type="dt" sz="half" idx="10"/>
+          </p:nvPr>
+        </p:nvSpPr>
+        <p:spPr/>
+        <p:txBody>
+          <a:bodyPr/>
+          <a:p>
+            <a:r>
+              <a:rPr lang="en-US" altLang="zh-CN" dirty="0" smtClean="0"/>
+              <a:t>2013.05.04</a:t>
+            </a:r>
+            <a:endParaRPr lang="zh-CN" altLang="en-US" dirty="0"/>
+          </a:p>
+        </p:txBody>
+      </p:sp>
+      <p:sp>
+        <p:nvSpPr>
+          <p:cNvPr id="3" name="灯片编号占位符 2"/>
+          <p:cNvSpPr>
+            <a:spLocks noGrp="1"/>
+          </p:cNvSpPr>
+          <p:nvPr>
+            <p:ph type="sldNum" sz="quarter" idx="12"/>
+          </p:nvPr>
+        </p:nvSpPr>
+        <p:spPr/>
+        <p:txBody>
+          <a:bodyPr/>
+          <a:p>
+            <a:fld id="{0C913308-F349-4B6D-A68A-DD1791B4A57B}" type="slidenum">
+              <a:rPr lang="zh-CN" altLang="en-US" smtClean="0"/>
+            </a:fld>
+            <a:endParaRPr lang="zh-CN" altLang="en-US"/>
+          </a:p>
+        </p:txBody>
+      </p:sp>
+      <p:graphicFrame>
+        <p:nvGraphicFramePr>
+          <p:cNvPr id="6" name="对象 5">
+            <a:hlinkClick r:id="" action="ppaction://ole?verb="/>
+          </p:cNvPr>
+          <p:cNvGraphicFramePr>
+            <a:graphicFrameLocks noChangeAspect="1"/>
+          </p:cNvGraphicFramePr>
+          <p:nvPr/>
+        </p:nvGraphicFramePr>
+        <p:xfrm>
+          <a:off x="3385820" y="2614930"/>
+          <a:ext cx="2372360" cy="1628140"/>
+        </p:xfrm>
+        <a:graphic>
+          <a:graphicData uri="http://schemas.openxmlformats.org/presentationml/2006/ole">
+            <mc:AlternateContent xmlns:mc="http://schemas.openxmlformats.org/markup-compatibility/2006">
+              <mc:Choice xmlns:v="urn:schemas-microsoft-com:vml" Requires="v">
+                <p:oleObj spid="_x0000_s1025" name="" showAsIcon="1" r:id="rId1" imgW="971550" imgH="666750" progId="Package">
+                  <p:embed/>
+                </p:oleObj>
+              </mc:Choice>
+              <mc:Fallback>
+                <p:oleObj name="" showAsIcon="1" r:id="rId1" imgW="971550" imgH="666750" progId="Package">
+                  <p:embed/>
+                  <p:pic>
+                    <p:nvPicPr>
+                      <p:cNvPr id="0" name="图片 1024"/>
+                      <p:cNvPicPr/>
+                      <p:nvPr/>
+                    </p:nvPicPr>
+                    <p:blipFill>
+                      <a:blip r:embed="rId2"/>
+                      <a:stretch>
+                        <a:fillRect/>
+                      </a:stretch>
+                    </p:blipFill>
+                    <p:spPr>
+                      <a:xfrm>
+                        <a:off x="3385820" y="2614930"/>
+                        <a:ext cx="2372360" cy="1628140"/>
+                      </a:xfrm>
+                      <a:prstGeom prst="rect">
+                        <a:avLst/>
+                      </a:prstGeom>
+                    </p:spPr>
+                  </p:pic>
+                </p:oleObj>
+              </mc:Fallback>
+            </mc:AlternateContent>
+          </a:graphicData>
+        </a:graphic>
+      </p:graphicFrame>
+    </p:spTree>
+  </p:cSld>
+  <p:clrMapOvr>
+    <a:masterClrMapping/>
+  </p:clrMapOvr>
+</p:sld>
+</file>
+
+<file path=ppt/slides/slide19.xml><?xml version="1.0" encoding="utf-8"?>
+<p:sld xmlns:a="http://schemas.openxmlformats.org/drawingml/2006/main" xmlns:r="http://schemas.openxmlformats.org/officeDocument/2006/relationships" xmlns:p="http://schemas.openxmlformats.org/presentationml/2006/main">
+  <p:cSld>
+    <p:spTree>
+      <p:nvGrpSpPr>
+        <p:cNvPr id="1" name=""/>
+        <p:cNvGrpSpPr/>
+        <p:nvPr/>
+      </p:nvGrpSpPr>
+      <p:grpSpPr/>
+      <p:sp>
+        <p:nvSpPr>
+          <p:cNvPr id="2" name="日期占位符 1"/>
+          <p:cNvSpPr>
+            <a:spLocks noGrp="1"/>
+          </p:cNvSpPr>
+          <p:nvPr>
+            <p:ph type="dt" sz="half" idx="10"/>
+          </p:nvPr>
+        </p:nvSpPr>
+        <p:spPr/>
+        <p:txBody>
+          <a:bodyPr/>
+          <a:p>
+            <a:r>
+              <a:rPr lang="en-US" altLang="zh-CN" dirty="0" smtClean="0"/>
+              <a:t>2013.05.04</a:t>
+            </a:r>
+            <a:endParaRPr lang="zh-CN" altLang="en-US" dirty="0"/>
+          </a:p>
+        </p:txBody>
+      </p:sp>
+      <p:sp>
+        <p:nvSpPr>
+          <p:cNvPr id="3" name="灯片编号占位符 2"/>
+          <p:cNvSpPr>
+            <a:spLocks noGrp="1"/>
+          </p:cNvSpPr>
+          <p:nvPr>
+            <p:ph type="sldNum" sz="quarter" idx="12"/>
+          </p:nvPr>
+        </p:nvSpPr>
+        <p:spPr/>
+        <p:txBody>
+          <a:bodyPr/>
+          <a:p>
+            <a:fld id="{0C913308-F349-4B6D-A68A-DD1791B4A57B}" type="slidenum">
+              <a:rPr lang="zh-CN" altLang="en-US" smtClean="0"/>
+            </a:fld>
+            <a:endParaRPr lang="zh-CN" altLang="en-US"/>
+          </a:p>
+        </p:txBody>
+      </p:sp>
+      <p:sp>
+        <p:nvSpPr>
+          <p:cNvPr id="4" name="TextBox 6"/>
+          <p:cNvSpPr txBox="1"/>
+          <p:nvPr/>
+        </p:nvSpPr>
+        <p:spPr>
+          <a:xfrm>
+            <a:off x="1756380" y="2684944"/>
+            <a:ext cx="5400040" cy="583565"/>
+          </a:xfrm>
+          <a:prstGeom prst="rect">
+            <a:avLst/>
+          </a:prstGeom>
+          <a:noFill/>
+        </p:spPr>
+        <p:txBody>
+          <a:bodyPr wrap="square" rtlCol="0">
+            <a:spAutoFit/>
+          </a:bodyPr>
+          <a:p>
+            <a:pPr algn="ctr"/>
+            <a:r>
+              <a:rPr lang="en-US" altLang="zh-CN" sz="3200" b="1" dirty="0" smtClean="0">
+                <a:latin typeface="+mn-ea"/>
+              </a:rPr>
+              <a:t>GO</a:t>
+            </a:r>
+            <a:r>
+              <a:rPr lang="zh-CN" altLang="en-US" sz="3200" b="1" dirty="0" smtClean="0">
+                <a:latin typeface="+mn-ea"/>
+              </a:rPr>
+              <a:t>的应用场景与开源项目</a:t>
+            </a:r>
+            <a:endParaRPr lang="zh-CN" altLang="en-US" sz="3200" b="1" dirty="0">
+              <a:latin typeface="+mn-ea"/>
+            </a:endParaRPr>
+          </a:p>
+        </p:txBody>
+      </p:sp>
+    </p:spTree>
+  </p:cSld>
+  <p:clrMapOvr>
+    <a:masterClrMapping/>
+  </p:clrMapOvr>
+</p:sld>
+</file>
+
+<file path=ppt/slides/slide2.xml><?xml version="1.0" encoding="utf-8"?>
+<p:sld xmlns:a="http://schemas.openxmlformats.org/drawingml/2006/main" xmlns:r="http://schemas.openxmlformats.org/officeDocument/2006/relationships" xmlns:p="http://schemas.openxmlformats.org/presentationml/2006/main">
+  <p:cSld>
+    <p:spTree>
+      <p:nvGrpSpPr>
+        <p:cNvPr id="1" name=""/>
+        <p:cNvGrpSpPr/>
+        <p:nvPr/>
+      </p:nvGrpSpPr>
+      <p:grpSpPr>
+        <a:xfrm>
+          <a:off x="0" y="0"/>
+          <a:ext cx="0" cy="0"/>
+          <a:chOff x="0" y="0"/>
+          <a:chExt cx="0" cy="0"/>
+        </a:xfrm>
+      </p:grpSpPr>
+      <p:sp>
+        <p:nvSpPr>
+          <p:cNvPr id="3" name="灯片编号占位符 2"/>
+          <p:cNvSpPr>
+            <a:spLocks noGrp="1"/>
+          </p:cNvSpPr>
+          <p:nvPr>
+            <p:ph type="sldNum" sz="quarter" idx="12"/>
+          </p:nvPr>
+        </p:nvSpPr>
+        <p:spPr/>
+        <p:txBody>
+          <a:bodyPr/>
+          <a:lstStyle/>
+          <a:p>
+            <a:fld id="{0C913308-F349-4B6D-A68A-DD1791B4A57B}" type="slidenum">
+              <a:rPr lang="zh-CN" altLang="en-US" smtClean="0"/>
+            </a:fld>
+            <a:endParaRPr lang="zh-CN" altLang="en-US"/>
+          </a:p>
+        </p:txBody>
+      </p:sp>
+      <p:sp>
+        <p:nvSpPr>
+          <p:cNvPr id="6" name="TextBox 5"/>
+          <p:cNvSpPr txBox="1"/>
+          <p:nvPr/>
+        </p:nvSpPr>
+        <p:spPr>
+          <a:xfrm>
+            <a:off x="1267430" y="1755304"/>
+            <a:ext cx="5400040" cy="579120"/>
+          </a:xfrm>
+          <a:prstGeom prst="rect">
+            <a:avLst/>
+          </a:prstGeom>
+          <a:noFill/>
+        </p:spPr>
+        <p:txBody>
+          <a:bodyPr wrap="square" rtlCol="0">
+            <a:spAutoFit/>
+          </a:bodyPr>
+          <a:lstStyle/>
+          <a:p>
+            <a:r>
+              <a:rPr lang="en-US" altLang="zh-CN" sz="3200" b="1" dirty="0" smtClean="0">
+                <a:latin typeface="+mn-ea"/>
+              </a:rPr>
+              <a:t>GO</a:t>
+            </a:r>
+            <a:r>
+              <a:rPr lang="zh-CN" altLang="en-US" sz="3200" b="1" dirty="0" smtClean="0">
+                <a:latin typeface="+mn-ea"/>
+              </a:rPr>
+              <a:t>并发的实验</a:t>
+            </a:r>
+            <a:endParaRPr lang="en-US" altLang="zh-CN" sz="3200" b="1" dirty="0">
+              <a:latin typeface="+mn-ea"/>
+            </a:endParaRPr>
+          </a:p>
+        </p:txBody>
+      </p:sp>
+      <p:sp>
+        <p:nvSpPr>
+          <p:cNvPr id="7" name="TextBox 6"/>
+          <p:cNvSpPr txBox="1"/>
+          <p:nvPr/>
+        </p:nvSpPr>
+        <p:spPr>
+          <a:xfrm>
+            <a:off x="1268700" y="4235614"/>
+            <a:ext cx="5400040" cy="579120"/>
+          </a:xfrm>
+          <a:prstGeom prst="rect">
+            <a:avLst/>
+          </a:prstGeom>
+          <a:noFill/>
+        </p:spPr>
+        <p:txBody>
+          <a:bodyPr wrap="square" rtlCol="0">
+            <a:spAutoFit/>
+          </a:bodyPr>
+          <a:lstStyle/>
+          <a:p>
+            <a:r>
+              <a:rPr lang="en-US" altLang="zh-CN" sz="3200" b="1" dirty="0" smtClean="0">
+                <a:latin typeface="+mn-ea"/>
+              </a:rPr>
+              <a:t>GO</a:t>
+            </a:r>
+            <a:r>
+              <a:rPr lang="zh-CN" altLang="en-US" sz="3200" b="1" dirty="0" smtClean="0">
+                <a:latin typeface="+mn-ea"/>
+              </a:rPr>
+              <a:t>的基本语法</a:t>
+            </a:r>
+            <a:endParaRPr lang="zh-CN" altLang="en-US" sz="3200" b="1" dirty="0">
+              <a:latin typeface="+mn-ea"/>
+            </a:endParaRPr>
+          </a:p>
+        </p:txBody>
+      </p:sp>
+      <p:sp>
+        <p:nvSpPr>
+          <p:cNvPr id="8" name="TextBox 7"/>
+          <p:cNvSpPr txBox="1"/>
+          <p:nvPr/>
+        </p:nvSpPr>
+        <p:spPr>
+          <a:xfrm>
+            <a:off x="1266235" y="2995459"/>
+            <a:ext cx="5400600" cy="579120"/>
+          </a:xfrm>
+          <a:prstGeom prst="rect">
+            <a:avLst/>
+          </a:prstGeom>
+          <a:noFill/>
+        </p:spPr>
+        <p:txBody>
+          <a:bodyPr wrap="square" rtlCol="0">
+            <a:spAutoFit/>
+          </a:bodyPr>
+          <a:lstStyle/>
+          <a:p>
+            <a:r>
+              <a:rPr lang="en-US" altLang="zh-CN" sz="3200" b="1" dirty="0" smtClean="0">
+                <a:latin typeface="+mn-ea"/>
+              </a:rPr>
+              <a:t>GO</a:t>
+            </a:r>
+            <a:r>
+              <a:rPr lang="zh-CN" altLang="en-US" sz="3200" b="1" dirty="0" smtClean="0">
+                <a:latin typeface="+mn-ea"/>
+              </a:rPr>
+              <a:t>语音的其他特点</a:t>
+            </a:r>
+            <a:endParaRPr lang="zh-CN" altLang="en-US" sz="3200" b="1" dirty="0">
+              <a:latin typeface="+mn-ea"/>
+            </a:endParaRPr>
+          </a:p>
+        </p:txBody>
+      </p:sp>
+      <p:sp>
+        <p:nvSpPr>
+          <p:cNvPr id="5" name="TextBox 4"/>
+          <p:cNvSpPr txBox="1"/>
+          <p:nvPr/>
+        </p:nvSpPr>
+        <p:spPr>
+          <a:xfrm>
+            <a:off x="1268065" y="515149"/>
+            <a:ext cx="5400040" cy="579120"/>
+          </a:xfrm>
+          <a:prstGeom prst="rect">
+            <a:avLst/>
+          </a:prstGeom>
+          <a:noFill/>
+        </p:spPr>
+        <p:txBody>
+          <a:bodyPr wrap="square" rtlCol="0">
+            <a:spAutoFit/>
+          </a:bodyPr>
+          <a:lstStyle/>
+          <a:p>
+            <a:r>
+              <a:rPr lang="zh-CN" altLang="en-US" sz="3200" b="1" dirty="0" smtClean="0">
+                <a:latin typeface="+mn-ea"/>
+              </a:rPr>
+              <a:t>并发开发的历史</a:t>
+            </a:r>
+            <a:endParaRPr lang="zh-CN" altLang="en-US" sz="3200" b="1" dirty="0" smtClean="0">
+              <a:latin typeface="+mn-ea"/>
+            </a:endParaRPr>
+          </a:p>
+        </p:txBody>
+      </p:sp>
+      <p:sp>
+        <p:nvSpPr>
+          <p:cNvPr id="2" name="TextBox 6"/>
+          <p:cNvSpPr txBox="1"/>
+          <p:nvPr/>
+        </p:nvSpPr>
+        <p:spPr>
+          <a:xfrm>
+            <a:off x="1269335" y="5475769"/>
+            <a:ext cx="5400040" cy="583565"/>
+          </a:xfrm>
+          <a:prstGeom prst="rect">
+            <a:avLst/>
+          </a:prstGeom>
+          <a:noFill/>
+        </p:spPr>
+        <p:txBody>
+          <a:bodyPr wrap="square" rtlCol="0">
+            <a:spAutoFit/>
+          </a:bodyPr>
+          <a:p>
+            <a:r>
+              <a:rPr lang="en-US" altLang="zh-CN" sz="3200" b="1" dirty="0" smtClean="0">
+                <a:latin typeface="+mn-ea"/>
+              </a:rPr>
+              <a:t>GO</a:t>
+            </a:r>
+            <a:r>
+              <a:rPr lang="zh-CN" altLang="en-US" sz="3200" b="1" dirty="0" smtClean="0">
+                <a:latin typeface="+mn-ea"/>
+              </a:rPr>
+              <a:t>的应用场景与开源项目</a:t>
+            </a:r>
+            <a:endParaRPr lang="zh-CN" altLang="en-US" sz="3200" b="1" dirty="0">
+              <a:latin typeface="+mn-ea"/>
+            </a:endParaRPr>
+          </a:p>
+        </p:txBody>
+      </p:sp>
+    </p:spTree>
+  </p:cSld>
+  <p:clrMapOvr>
+    <a:masterClrMapping/>
+  </p:clrMapOvr>
+  <p:timing>
+    <p:tnLst>
+      <p:par>
+        <p:cTn id="1" dur="indefinite" restart="never" nodeType="tmRoot"/>
+      </p:par>
+    </p:tnLst>
+  </p:timing>
+</p:sld>
+</file>
+
+<file path=ppt/slides/slide20.xml><?xml version="1.0" encoding="utf-8"?>
+<p:sld xmlns:a="http://schemas.openxmlformats.org/drawingml/2006/main" xmlns:r="http://schemas.openxmlformats.org/officeDocument/2006/relationships" xmlns:p="http://schemas.openxmlformats.org/presentationml/2006/main">
+  <p:cSld>
+    <p:spTree>
+      <p:nvGrpSpPr>
+        <p:cNvPr id="1" name=""/>
+        <p:cNvGrpSpPr/>
+        <p:nvPr/>
+      </p:nvGrpSpPr>
+      <p:grpSpPr/>
+      <p:sp>
+        <p:nvSpPr>
+          <p:cNvPr id="2" name="日期占位符 1"/>
+          <p:cNvSpPr>
+            <a:spLocks noGrp="1"/>
+          </p:cNvSpPr>
+          <p:nvPr>
+            <p:ph type="dt" sz="half" idx="10"/>
+          </p:nvPr>
+        </p:nvSpPr>
+        <p:spPr/>
+        <p:txBody>
+          <a:bodyPr/>
+          <a:p>
+            <a:r>
+              <a:rPr lang="en-US" altLang="zh-CN" dirty="0" smtClean="0"/>
+              <a:t>2013.05.04</a:t>
+            </a:r>
+            <a:endParaRPr lang="zh-CN" altLang="en-US" dirty="0"/>
+          </a:p>
+        </p:txBody>
+      </p:sp>
+      <p:sp>
+        <p:nvSpPr>
+          <p:cNvPr id="3" name="灯片编号占位符 2"/>
+          <p:cNvSpPr>
+            <a:spLocks noGrp="1"/>
+          </p:cNvSpPr>
+          <p:nvPr>
+            <p:ph type="sldNum" sz="quarter" idx="12"/>
+          </p:nvPr>
+        </p:nvSpPr>
+        <p:spPr/>
+        <p:txBody>
+          <a:bodyPr/>
+          <a:p>
+            <a:fld id="{0C913308-F349-4B6D-A68A-DD1791B4A57B}" type="slidenum">
+              <a:rPr lang="zh-CN" altLang="en-US" smtClean="0"/>
+            </a:fld>
+            <a:endParaRPr lang="zh-CN" altLang="en-US"/>
+          </a:p>
+        </p:txBody>
+      </p:sp>
+      <p:sp>
+        <p:nvSpPr>
+          <p:cNvPr id="4" name="文本框 3"/>
+          <p:cNvSpPr txBox="1"/>
+          <p:nvPr/>
+        </p:nvSpPr>
+        <p:spPr>
+          <a:xfrm>
+            <a:off x="979170" y="582295"/>
+            <a:ext cx="7185025" cy="5692775"/>
+          </a:xfrm>
+          <a:prstGeom prst="rect">
+            <a:avLst/>
+          </a:prstGeom>
+          <a:noFill/>
+        </p:spPr>
+        <p:txBody>
+          <a:bodyPr wrap="square" rtlCol="0" anchor="t">
+            <a:spAutoFit/>
+          </a:bodyPr>
+          <a:p>
+            <a:r>
+              <a:rPr lang="zh-CN" altLang="en-US" sz="2800" b="1"/>
+              <a:t>• 命令行应用</a:t>
+            </a:r>
+            <a:endParaRPr lang="zh-CN" altLang="en-US" sz="2800" b="1"/>
+          </a:p>
+          <a:p>
+            <a:endParaRPr lang="zh-CN" altLang="en-US" sz="2800" b="1"/>
+          </a:p>
+          <a:p>
+            <a:r>
+              <a:rPr lang="zh-CN" altLang="en-US" sz="2800" b="1"/>
+              <a:t>• </a:t>
+            </a:r>
+            <a:r>
+              <a:rPr lang="zh-CN" altLang="en-US" sz="2800" b="1">
+                <a:solidFill>
+                  <a:srgbClr val="FF0000"/>
+                </a:solidFill>
+              </a:rPr>
+              <a:t>网络服务</a:t>
+            </a:r>
+            <a:endParaRPr lang="zh-CN" altLang="en-US" sz="2800" b="1">
+              <a:solidFill>
+                <a:srgbClr val="FF0000"/>
+              </a:solidFill>
+            </a:endParaRPr>
+          </a:p>
+          <a:p>
+            <a:endParaRPr lang="zh-CN" altLang="en-US" sz="2800" b="1"/>
+          </a:p>
+          <a:p>
+            <a:r>
+              <a:rPr lang="zh-CN" altLang="en-US" sz="2800" b="1"/>
+              <a:t>• Daemons(守护进程)</a:t>
+            </a:r>
+            <a:endParaRPr lang="zh-CN" altLang="en-US" sz="2800" b="1"/>
+          </a:p>
+          <a:p>
+            <a:endParaRPr lang="zh-CN" altLang="en-US" sz="2800" b="1"/>
+          </a:p>
+          <a:p>
+            <a:r>
+              <a:rPr lang="zh-CN" altLang="en-US" sz="2800" b="1"/>
+              <a:t>• 数据库</a:t>
+            </a:r>
+            <a:endParaRPr lang="zh-CN" altLang="en-US" sz="2800" b="1"/>
+          </a:p>
+          <a:p>
+            <a:endParaRPr lang="zh-CN" altLang="en-US" sz="2800" b="1"/>
+          </a:p>
+          <a:p>
+            <a:r>
+              <a:rPr lang="zh-CN" altLang="en-US" sz="2800" b="1"/>
+              <a:t>• 嵌入式开发</a:t>
+            </a:r>
+            <a:endParaRPr lang="zh-CN" altLang="en-US" sz="2800" b="1"/>
+          </a:p>
+          <a:p>
+            <a:endParaRPr lang="zh-CN" altLang="en-US" sz="2800" b="1"/>
+          </a:p>
+          <a:p>
+            <a:r>
+              <a:rPr lang="zh-CN" altLang="en-US" sz="2800" b="1"/>
+              <a:t>• </a:t>
+            </a:r>
+            <a:r>
+              <a:rPr lang="zh-CN" altLang="en-US" sz="2800" b="1">
+                <a:solidFill>
+                  <a:srgbClr val="FF0000"/>
+                </a:solidFill>
+              </a:rPr>
+              <a:t>轻量级的微服务</a:t>
+            </a:r>
+            <a:endParaRPr lang="zh-CN" altLang="en-US" sz="2800" b="1">
+              <a:solidFill>
+                <a:srgbClr val="FF0000"/>
+              </a:solidFill>
+            </a:endParaRPr>
+          </a:p>
+          <a:p>
+            <a:endParaRPr lang="zh-CN" altLang="en-US" sz="2800" b="1"/>
+          </a:p>
+          <a:p>
+            <a:r>
+              <a:rPr lang="zh-CN" altLang="en-US" sz="2800" b="1"/>
+              <a:t>• 基础设施</a:t>
+            </a:r>
+            <a:endParaRPr lang="zh-CN" altLang="en-US" sz="2800" b="1"/>
+          </a:p>
+        </p:txBody>
+      </p:sp>
+    </p:spTree>
+  </p:cSld>
+  <p:clrMapOvr>
+    <a:masterClrMapping/>
+  </p:clrMapOvr>
+</p:sld>
+</file>
+
+<file path=ppt/slides/slide21.xml><?xml version="1.0" encoding="utf-8"?>
+<p:sld xmlns:a="http://schemas.openxmlformats.org/drawingml/2006/main" xmlns:r="http://schemas.openxmlformats.org/officeDocument/2006/relationships" xmlns:p="http://schemas.openxmlformats.org/presentationml/2006/main">
+  <p:cSld>
+    <p:spTree>
+      <p:nvGrpSpPr>
+        <p:cNvPr id="1" name=""/>
+        <p:cNvGrpSpPr/>
+        <p:nvPr/>
+      </p:nvGrpSpPr>
+      <p:grpSpPr/>
+      <p:sp>
+        <p:nvSpPr>
+          <p:cNvPr id="2" name="日期占位符 1"/>
+          <p:cNvSpPr>
+            <a:spLocks noGrp="1"/>
+          </p:cNvSpPr>
+          <p:nvPr>
+            <p:ph type="dt" sz="half" idx="10"/>
+          </p:nvPr>
+        </p:nvSpPr>
+        <p:spPr/>
+        <p:txBody>
+          <a:bodyPr/>
+          <a:p>
+            <a:r>
+              <a:rPr lang="en-US" altLang="zh-CN" dirty="0" smtClean="0"/>
+              <a:t>2013.05.04</a:t>
+            </a:r>
+            <a:endParaRPr lang="zh-CN" altLang="en-US" dirty="0"/>
+          </a:p>
+        </p:txBody>
+      </p:sp>
+      <p:sp>
+        <p:nvSpPr>
+          <p:cNvPr id="3" name="灯片编号占位符 2"/>
+          <p:cNvSpPr>
+            <a:spLocks noGrp="1"/>
+          </p:cNvSpPr>
+          <p:nvPr>
+            <p:ph type="sldNum" sz="quarter" idx="12"/>
+          </p:nvPr>
+        </p:nvSpPr>
+        <p:spPr/>
+        <p:txBody>
+          <a:bodyPr/>
+          <a:p>
+            <a:fld id="{0C913308-F349-4B6D-A68A-DD1791B4A57B}" type="slidenum">
+              <a:rPr lang="zh-CN" altLang="en-US" smtClean="0"/>
+            </a:fld>
+            <a:endParaRPr lang="zh-CN" altLang="en-US"/>
+          </a:p>
+        </p:txBody>
+      </p:sp>
+      <p:sp>
+        <p:nvSpPr>
+          <p:cNvPr id="4" name="文本框 3"/>
+          <p:cNvSpPr txBox="1"/>
+          <p:nvPr/>
+        </p:nvSpPr>
+        <p:spPr>
+          <a:xfrm>
+            <a:off x="261620" y="541655"/>
+            <a:ext cx="8620125" cy="5323205"/>
+          </a:xfrm>
+          <a:prstGeom prst="rect">
+            <a:avLst/>
+          </a:prstGeom>
+          <a:noFill/>
+        </p:spPr>
+        <p:txBody>
+          <a:bodyPr wrap="square" rtlCol="0" anchor="t">
+            <a:spAutoFit/>
+          </a:bodyPr>
+          <a:p>
+            <a:r>
+              <a:rPr lang="zh-CN" altLang="en-US" sz="2000" b="1"/>
+              <a:t>docker</a:t>
+            </a:r>
+            <a:endParaRPr lang="zh-CN" altLang="en-US" sz="2000" b="1"/>
+          </a:p>
+          <a:p>
+            <a:endParaRPr lang="zh-CN" altLang="en-US" sz="2000" b="1"/>
+          </a:p>
+          <a:p>
+            <a:r>
+              <a:rPr lang="zh-CN" altLang="en-US" sz="2000"/>
+              <a:t>无人不知的虚拟华平台，开源的应用容器引擎,借助该引擎，开发者可以打包他们的应用，移植到任何平台上。</a:t>
+            </a:r>
+            <a:endParaRPr lang="zh-CN" altLang="en-US" sz="2000"/>
+          </a:p>
+          <a:p>
+            <a:endParaRPr lang="zh-CN" altLang="en-US" sz="2000"/>
+          </a:p>
+          <a:p>
+            <a:r>
+              <a:rPr lang="zh-CN" altLang="en-US" sz="2000"/>
+              <a:t>    https://github.com/docker/docker</a:t>
+            </a:r>
+            <a:endParaRPr lang="zh-CN" altLang="en-US" sz="2000"/>
+          </a:p>
+          <a:p>
+            <a:r>
+              <a:rPr lang="zh-CN" altLang="en-US" sz="2000"/>
+              <a:t>    38154 stars</a:t>
+            </a:r>
+            <a:endParaRPr lang="zh-CN" altLang="en-US" sz="2000"/>
+          </a:p>
+          <a:p>
+            <a:r>
+              <a:rPr lang="zh-CN" altLang="en-US" sz="2000"/>
+              <a:t>    11393 forks</a:t>
+            </a:r>
+            <a:endParaRPr lang="zh-CN" altLang="en-US" sz="2000"/>
+          </a:p>
+          <a:p>
+            <a:endParaRPr lang="zh-CN" altLang="en-US" sz="2000"/>
+          </a:p>
+          <a:p>
+            <a:r>
+              <a:rPr lang="zh-CN" altLang="en-US" sz="2000" b="1"/>
+              <a:t>golang</a:t>
+            </a:r>
+            <a:endParaRPr lang="zh-CN" altLang="en-US" sz="2000" b="1"/>
+          </a:p>
+          <a:p>
+            <a:endParaRPr lang="zh-CN" altLang="en-US" sz="2000" b="1"/>
+          </a:p>
+          <a:p>
+            <a:r>
+              <a:rPr lang="zh-CN" altLang="en-US" sz="2000"/>
+              <a:t>go本身，也是用go语言实现的，包括他的编译器，要研究go源代码的可以看此项目录</a:t>
+            </a:r>
+            <a:endParaRPr lang="zh-CN" altLang="en-US" sz="2000"/>
+          </a:p>
+          <a:p>
+            <a:endParaRPr lang="zh-CN" altLang="en-US" sz="2000"/>
+          </a:p>
+          <a:p>
+            <a:r>
+              <a:rPr lang="zh-CN" altLang="en-US" sz="2000"/>
+              <a:t>    https://github.com/golang/go</a:t>
+            </a:r>
+            <a:endParaRPr lang="zh-CN" altLang="en-US" sz="2000"/>
+          </a:p>
+          <a:p>
+            <a:r>
+              <a:rPr lang="zh-CN" altLang="en-US" sz="2000"/>
+              <a:t>    23082 stars</a:t>
+            </a:r>
+            <a:endParaRPr lang="zh-CN" altLang="en-US" sz="2000"/>
+          </a:p>
+          <a:p>
+            <a:r>
+              <a:rPr lang="zh-CN" altLang="en-US" sz="2000"/>
+              <a:t>    3081 forks</a:t>
+            </a:r>
+            <a:endParaRPr lang="zh-CN" altLang="en-US" sz="2000"/>
+          </a:p>
+        </p:txBody>
+      </p:sp>
+    </p:spTree>
+  </p:cSld>
+  <p:clrMapOvr>
+    <a:masterClrMapping/>
+  </p:clrMapOvr>
+</p:sld>
+</file>
+
+<file path=ppt/slides/slide22.xml><?xml version="1.0" encoding="utf-8"?>
+<p:sld xmlns:a="http://schemas.openxmlformats.org/drawingml/2006/main" xmlns:r="http://schemas.openxmlformats.org/officeDocument/2006/relationships" xmlns:p="http://schemas.openxmlformats.org/presentationml/2006/main">
+  <p:cSld>
+    <p:spTree>
+      <p:nvGrpSpPr>
+        <p:cNvPr id="1" name=""/>
+        <p:cNvGrpSpPr/>
+        <p:nvPr/>
+      </p:nvGrpSpPr>
+      <p:grpSpPr/>
+      <p:sp>
+        <p:nvSpPr>
+          <p:cNvPr id="2" name="日期占位符 1"/>
+          <p:cNvSpPr>
+            <a:spLocks noGrp="1"/>
+          </p:cNvSpPr>
+          <p:nvPr>
+            <p:ph type="dt" sz="half" idx="10"/>
+          </p:nvPr>
+        </p:nvSpPr>
+        <p:spPr/>
+        <p:txBody>
+          <a:bodyPr/>
+          <a:p>
+            <a:r>
+              <a:rPr lang="en-US" altLang="zh-CN" dirty="0" smtClean="0"/>
+              <a:t>2013.05.04</a:t>
+            </a:r>
+            <a:endParaRPr lang="zh-CN" altLang="en-US" dirty="0"/>
+          </a:p>
+        </p:txBody>
+      </p:sp>
+      <p:sp>
+        <p:nvSpPr>
+          <p:cNvPr id="3" name="灯片编号占位符 2"/>
+          <p:cNvSpPr>
+            <a:spLocks noGrp="1"/>
+          </p:cNvSpPr>
+          <p:nvPr>
+            <p:ph type="sldNum" sz="quarter" idx="12"/>
+          </p:nvPr>
+        </p:nvSpPr>
+        <p:spPr/>
+        <p:txBody>
+          <a:bodyPr/>
+          <a:p>
+            <a:fld id="{0C913308-F349-4B6D-A68A-DD1791B4A57B}" type="slidenum">
+              <a:rPr lang="zh-CN" altLang="en-US" smtClean="0"/>
+            </a:fld>
+            <a:endParaRPr lang="zh-CN" altLang="en-US"/>
+          </a:p>
+        </p:txBody>
+      </p:sp>
+      <p:sp>
+        <p:nvSpPr>
+          <p:cNvPr id="4" name="文本框 3"/>
+          <p:cNvSpPr txBox="1"/>
+          <p:nvPr/>
+        </p:nvSpPr>
+        <p:spPr>
+          <a:xfrm>
+            <a:off x="156210" y="538480"/>
+            <a:ext cx="8620125" cy="5631180"/>
+          </a:xfrm>
+          <a:prstGeom prst="rect">
+            <a:avLst/>
+          </a:prstGeom>
+          <a:noFill/>
+        </p:spPr>
+        <p:txBody>
+          <a:bodyPr wrap="square" rtlCol="0" anchor="t">
+            <a:spAutoFit/>
+          </a:bodyPr>
+          <a:p>
+            <a:r>
+              <a:rPr lang="zh-CN" altLang="en-US" sz="2000" b="1"/>
+              <a:t>lantern</a:t>
+            </a:r>
+            <a:endParaRPr lang="zh-CN" altLang="en-US" sz="2000" b="1"/>
+          </a:p>
+          <a:p>
+            <a:endParaRPr lang="zh-CN" altLang="en-US" sz="2000"/>
+          </a:p>
+          <a:p>
+            <a:r>
+              <a:rPr lang="zh-CN" altLang="en-US" sz="2000"/>
+              <a:t>蓝灯，一款P2P的翻墙墙软件，他和SS不一样的是，他是分布式的，P2P的，通过蓝灯，你可以和自由上网的用户共享网络，对方可以自由上网，你也就自由了。</a:t>
+            </a:r>
+            <a:endParaRPr lang="zh-CN" altLang="en-US" sz="2000"/>
+          </a:p>
+          <a:p>
+            <a:endParaRPr lang="zh-CN" altLang="en-US" sz="2000"/>
+          </a:p>
+          <a:p>
+            <a:r>
+              <a:rPr lang="zh-CN" altLang="en-US" sz="2000"/>
+              <a:t>    https://github.com/getlantern/lantern</a:t>
+            </a:r>
+            <a:endParaRPr lang="zh-CN" altLang="en-US" sz="2000"/>
+          </a:p>
+          <a:p>
+            <a:r>
+              <a:rPr lang="zh-CN" altLang="en-US" sz="2000"/>
+              <a:t>    21479 stars</a:t>
+            </a:r>
+            <a:endParaRPr lang="zh-CN" altLang="en-US" sz="2000"/>
+          </a:p>
+          <a:p>
+            <a:r>
+              <a:rPr lang="zh-CN" altLang="en-US" sz="2000"/>
+              <a:t>    5573 forks</a:t>
+            </a:r>
+            <a:endParaRPr lang="zh-CN" altLang="en-US" sz="2000"/>
+          </a:p>
+          <a:p>
+            <a:endParaRPr lang="zh-CN" altLang="en-US" sz="2000"/>
+          </a:p>
+          <a:p>
+            <a:r>
+              <a:rPr lang="zh-CN" altLang="en-US" sz="2000" b="1"/>
+              <a:t>kubernetes</a:t>
+            </a:r>
+            <a:endParaRPr lang="zh-CN" altLang="en-US" sz="2000" b="1"/>
+          </a:p>
+          <a:p>
+            <a:endParaRPr lang="zh-CN" altLang="en-US" sz="2000"/>
+          </a:p>
+          <a:p>
+            <a:r>
+              <a:rPr lang="zh-CN" altLang="en-US" sz="2000"/>
+              <a:t>Google出品，用于调度和管理docker的开源容器管理系统，利用他，可以方便的管理你的docker实例，哪怕非常多，也是目前最流行的docker管理系统。</a:t>
+            </a:r>
+            <a:endParaRPr lang="zh-CN" altLang="en-US" sz="2000"/>
+          </a:p>
+          <a:p>
+            <a:endParaRPr lang="zh-CN" altLang="en-US" sz="2000"/>
+          </a:p>
+          <a:p>
+            <a:r>
+              <a:rPr lang="zh-CN" altLang="en-US" sz="2000"/>
+              <a:t>    https://github.com/kubernetes/kubernetes</a:t>
+            </a:r>
+            <a:endParaRPr lang="zh-CN" altLang="en-US" sz="2000"/>
+          </a:p>
+          <a:p>
+            <a:r>
+              <a:rPr lang="zh-CN" altLang="en-US" sz="2000"/>
+              <a:t>    19513 stars</a:t>
+            </a:r>
+            <a:endParaRPr lang="zh-CN" altLang="en-US" sz="2000"/>
+          </a:p>
+          <a:p>
+            <a:r>
+              <a:rPr lang="zh-CN" altLang="en-US" sz="2000"/>
+              <a:t>    6540 forks</a:t>
+            </a:r>
+            <a:endParaRPr lang="zh-CN" altLang="en-US" sz="2000"/>
+          </a:p>
+        </p:txBody>
+      </p:sp>
+    </p:spTree>
+  </p:cSld>
+  <p:clrMapOvr>
+    <a:masterClrMapping/>
+  </p:clrMapOvr>
+</p:sld>
+</file>
+
+<file path=ppt/slides/slide23.xml><?xml version="1.0" encoding="utf-8"?>
+<p:sld xmlns:a="http://schemas.openxmlformats.org/drawingml/2006/main" xmlns:r="http://schemas.openxmlformats.org/officeDocument/2006/relationships" xmlns:p="http://schemas.openxmlformats.org/presentationml/2006/main">
+  <p:cSld>
+    <p:spTree>
+      <p:nvGrpSpPr>
+        <p:cNvPr id="1" name=""/>
+        <p:cNvGrpSpPr/>
+        <p:nvPr/>
+      </p:nvGrpSpPr>
+      <p:grpSpPr/>
+      <p:sp>
+        <p:nvSpPr>
+          <p:cNvPr id="2" name="日期占位符 1"/>
+          <p:cNvSpPr>
+            <a:spLocks noGrp="1"/>
+          </p:cNvSpPr>
+          <p:nvPr>
+            <p:ph type="dt" sz="half" idx="10"/>
+          </p:nvPr>
+        </p:nvSpPr>
+        <p:spPr/>
+        <p:txBody>
+          <a:bodyPr/>
+          <a:p>
+            <a:r>
+              <a:rPr lang="en-US" altLang="zh-CN" dirty="0" smtClean="0"/>
+              <a:t>2013.05.04</a:t>
+            </a:r>
+            <a:endParaRPr lang="zh-CN" altLang="en-US" dirty="0"/>
+          </a:p>
+        </p:txBody>
+      </p:sp>
+      <p:sp>
+        <p:nvSpPr>
+          <p:cNvPr id="3" name="灯片编号占位符 2"/>
+          <p:cNvSpPr>
+            <a:spLocks noGrp="1"/>
+          </p:cNvSpPr>
+          <p:nvPr>
+            <p:ph type="sldNum" sz="quarter" idx="12"/>
+          </p:nvPr>
+        </p:nvSpPr>
+        <p:spPr/>
+        <p:txBody>
+          <a:bodyPr/>
+          <a:p>
+            <a:fld id="{0C913308-F349-4B6D-A68A-DD1791B4A57B}" type="slidenum">
+              <a:rPr lang="zh-CN" altLang="en-US" smtClean="0"/>
+            </a:fld>
+            <a:endParaRPr lang="zh-CN" altLang="en-US"/>
+          </a:p>
+        </p:txBody>
+      </p:sp>
+      <p:sp>
+        <p:nvSpPr>
+          <p:cNvPr id="4" name="文本框 3"/>
+          <p:cNvSpPr txBox="1"/>
+          <p:nvPr/>
+        </p:nvSpPr>
+        <p:spPr>
+          <a:xfrm>
+            <a:off x="255270" y="542290"/>
+            <a:ext cx="8634095" cy="5015865"/>
+          </a:xfrm>
+          <a:prstGeom prst="rect">
+            <a:avLst/>
+          </a:prstGeom>
+          <a:noFill/>
+        </p:spPr>
+        <p:txBody>
+          <a:bodyPr wrap="square" rtlCol="0" anchor="t">
+            <a:spAutoFit/>
+          </a:bodyPr>
+          <a:p>
+            <a:r>
+              <a:rPr lang="zh-CN" altLang="en-US" sz="2000" b="1"/>
+              <a:t>gogs</a:t>
+            </a:r>
+            <a:endParaRPr lang="zh-CN" altLang="en-US" sz="2000" b="1"/>
+          </a:p>
+          <a:p>
+            <a:endParaRPr lang="zh-CN" altLang="en-US" sz="2000"/>
+          </a:p>
+          <a:p>
+            <a:r>
+              <a:rPr lang="zh-CN" altLang="en-US" sz="2000"/>
+              <a:t>一款基于git的代码托管系统，类似于github和gitlab，不过其小巧易用，功能强大，部署方便，也有不少用户在使用。</a:t>
+            </a:r>
+            <a:endParaRPr lang="zh-CN" altLang="en-US" sz="2000"/>
+          </a:p>
+          <a:p>
+            <a:endParaRPr lang="zh-CN" altLang="en-US" sz="2000"/>
+          </a:p>
+          <a:p>
+            <a:r>
+              <a:rPr lang="zh-CN" altLang="en-US" sz="2000"/>
+              <a:t>    https://github.com/gogits/gogs</a:t>
+            </a:r>
+            <a:endParaRPr lang="zh-CN" altLang="en-US" sz="2000"/>
+          </a:p>
+          <a:p>
+            <a:r>
+              <a:rPr lang="zh-CN" altLang="en-US" sz="2000"/>
+              <a:t>    17004 stars</a:t>
+            </a:r>
+            <a:endParaRPr lang="zh-CN" altLang="en-US" sz="2000"/>
+          </a:p>
+          <a:p>
+            <a:r>
+              <a:rPr lang="zh-CN" altLang="en-US" sz="2000"/>
+              <a:t>    1887 forks</a:t>
+            </a:r>
+            <a:endParaRPr lang="zh-CN" altLang="en-US" sz="2000"/>
+          </a:p>
+          <a:p>
+            <a:endParaRPr lang="zh-CN" altLang="en-US" sz="2000"/>
+          </a:p>
+          <a:p>
+            <a:r>
+              <a:rPr lang="zh-CN" altLang="en-US" sz="2000" b="1"/>
+              <a:t>etcd</a:t>
+            </a:r>
+            <a:endParaRPr lang="zh-CN" altLang="en-US" sz="2000" b="1"/>
+          </a:p>
+          <a:p>
+            <a:endParaRPr lang="zh-CN" altLang="en-US" sz="2000"/>
+          </a:p>
+          <a:p>
+            <a:r>
+              <a:rPr lang="zh-CN" altLang="en-US" sz="2000"/>
+              <a:t>一款分布式的，可靠的K-V存储系统，使用简单，速度快，又安全。</a:t>
+            </a:r>
+            <a:endParaRPr lang="zh-CN" altLang="en-US" sz="2000"/>
+          </a:p>
+          <a:p>
+            <a:endParaRPr lang="zh-CN" altLang="en-US" sz="2000"/>
+          </a:p>
+          <a:p>
+            <a:r>
+              <a:rPr lang="zh-CN" altLang="en-US" sz="2000"/>
+              <a:t>    https://github.com/coreos/etcd</a:t>
+            </a:r>
+            <a:endParaRPr lang="zh-CN" altLang="en-US" sz="2000"/>
+          </a:p>
+          <a:p>
+            <a:r>
+              <a:rPr lang="zh-CN" altLang="en-US" sz="2000"/>
+              <a:t>    11837 stars</a:t>
+            </a:r>
+            <a:endParaRPr lang="zh-CN" altLang="en-US" sz="2000"/>
+          </a:p>
+          <a:p>
+            <a:r>
+              <a:rPr lang="zh-CN" altLang="en-US" sz="2000"/>
+              <a:t>    2148 forks</a:t>
+            </a:r>
+            <a:endParaRPr lang="zh-CN" altLang="en-US" sz="2000"/>
+          </a:p>
+        </p:txBody>
+      </p:sp>
+    </p:spTree>
+  </p:cSld>
+  <p:clrMapOvr>
+    <a:masterClrMapping/>
+  </p:clrMapOvr>
+</p:sld>
+</file>
+
+<file path=ppt/slides/slide24.xml><?xml version="1.0" encoding="utf-8"?>
+<p:sld xmlns:a="http://schemas.openxmlformats.org/drawingml/2006/main" xmlns:r="http://schemas.openxmlformats.org/officeDocument/2006/relationships" xmlns:p="http://schemas.openxmlformats.org/presentationml/2006/main">
+  <p:cSld>
+    <p:spTree>
+      <p:nvGrpSpPr>
+        <p:cNvPr id="1" name=""/>
+        <p:cNvGrpSpPr/>
+        <p:nvPr/>
+      </p:nvGrpSpPr>
+      <p:grpSpPr/>
+      <p:sp>
+        <p:nvSpPr>
+          <p:cNvPr id="2" name="日期占位符 1"/>
+          <p:cNvSpPr>
+            <a:spLocks noGrp="1"/>
+          </p:cNvSpPr>
+          <p:nvPr>
+            <p:ph type="dt" sz="half" idx="10"/>
+          </p:nvPr>
+        </p:nvSpPr>
+        <p:spPr/>
+        <p:txBody>
+          <a:bodyPr/>
+          <a:p>
+            <a:r>
+              <a:rPr lang="en-US" altLang="zh-CN" dirty="0" smtClean="0"/>
+              <a:t>2013.05.04</a:t>
+            </a:r>
+            <a:endParaRPr lang="zh-CN" altLang="en-US" dirty="0"/>
+          </a:p>
+        </p:txBody>
+      </p:sp>
+      <p:sp>
+        <p:nvSpPr>
+          <p:cNvPr id="3" name="灯片编号占位符 2"/>
+          <p:cNvSpPr>
+            <a:spLocks noGrp="1"/>
+          </p:cNvSpPr>
+          <p:nvPr>
+            <p:ph type="sldNum" sz="quarter" idx="12"/>
+          </p:nvPr>
+        </p:nvSpPr>
+        <p:spPr/>
+        <p:txBody>
+          <a:bodyPr/>
+          <a:p>
+            <a:fld id="{0C913308-F349-4B6D-A68A-DD1791B4A57B}" type="slidenum">
+              <a:rPr lang="zh-CN" altLang="en-US" smtClean="0"/>
+            </a:fld>
+            <a:endParaRPr lang="zh-CN" altLang="en-US"/>
+          </a:p>
+        </p:txBody>
+      </p:sp>
+      <p:sp>
+        <p:nvSpPr>
+          <p:cNvPr id="4" name="文本框 3"/>
+          <p:cNvSpPr txBox="1"/>
+          <p:nvPr/>
+        </p:nvSpPr>
+        <p:spPr>
+          <a:xfrm>
+            <a:off x="261620" y="536575"/>
+            <a:ext cx="8621395" cy="4707890"/>
+          </a:xfrm>
+          <a:prstGeom prst="rect">
+            <a:avLst/>
+          </a:prstGeom>
+          <a:noFill/>
+        </p:spPr>
+        <p:txBody>
+          <a:bodyPr wrap="square" rtlCol="0" anchor="t">
+            <a:spAutoFit/>
+          </a:bodyPr>
+          <a:p>
+            <a:r>
+              <a:rPr lang="zh-CN" altLang="en-US" sz="2000" b="1"/>
+              <a:t>beego</a:t>
+            </a:r>
+            <a:endParaRPr lang="zh-CN" altLang="en-US" sz="2000" b="1"/>
+          </a:p>
+          <a:p>
+            <a:endParaRPr lang="zh-CN" altLang="en-US" sz="2000"/>
+          </a:p>
+          <a:p>
+            <a:r>
+              <a:rPr lang="zh-CN" altLang="en-US" sz="2000"/>
+              <a:t>国产开源的高性能Web框架，让你快速的开发Go Web应用服务，谢大主笔。</a:t>
+            </a:r>
+            <a:endParaRPr lang="zh-CN" altLang="en-US" sz="2000"/>
+          </a:p>
+          <a:p>
+            <a:endParaRPr lang="zh-CN" altLang="en-US" sz="2000"/>
+          </a:p>
+          <a:p>
+            <a:r>
+              <a:rPr lang="zh-CN" altLang="en-US" sz="2000"/>
+              <a:t>    https://github.com/astaxie/beego</a:t>
+            </a:r>
+            <a:endParaRPr lang="zh-CN" altLang="en-US" sz="2000"/>
+          </a:p>
+          <a:p>
+            <a:r>
+              <a:rPr lang="zh-CN" altLang="en-US" sz="2000"/>
+              <a:t>    9182 stars</a:t>
+            </a:r>
+            <a:endParaRPr lang="zh-CN" altLang="en-US" sz="2000"/>
+          </a:p>
+          <a:p>
+            <a:r>
+              <a:rPr lang="zh-CN" altLang="en-US" sz="2000"/>
+              <a:t>    2229 forks</a:t>
+            </a:r>
+            <a:endParaRPr lang="zh-CN" altLang="en-US" sz="2000"/>
+          </a:p>
+          <a:p>
+            <a:endParaRPr lang="zh-CN" altLang="en-US" sz="2000"/>
+          </a:p>
+          <a:p>
+            <a:r>
+              <a:rPr lang="zh-CN" altLang="en-US" sz="2000" b="1"/>
+              <a:t>nsq</a:t>
+            </a:r>
+            <a:endParaRPr lang="zh-CN" altLang="en-US" sz="2000" b="1"/>
+          </a:p>
+          <a:p>
+            <a:endParaRPr lang="zh-CN" altLang="en-US" sz="2000"/>
+          </a:p>
+          <a:p>
+            <a:r>
+              <a:rPr lang="zh-CN" altLang="en-US" sz="2000"/>
+              <a:t>一款开源的实时的，分布式的消息中间件系统。</a:t>
+            </a:r>
+            <a:endParaRPr lang="zh-CN" altLang="en-US" sz="2000"/>
+          </a:p>
+          <a:p>
+            <a:endParaRPr lang="zh-CN" altLang="en-US" sz="2000"/>
+          </a:p>
+          <a:p>
+            <a:r>
+              <a:rPr lang="zh-CN" altLang="en-US" sz="2000"/>
+              <a:t>    https://github.com/nsqio/nsq</a:t>
+            </a:r>
+            <a:endParaRPr lang="zh-CN" altLang="en-US" sz="2000"/>
+          </a:p>
+          <a:p>
+            <a:r>
+              <a:rPr lang="zh-CN" altLang="en-US" sz="2000"/>
+              <a:t>    7884 stars</a:t>
+            </a:r>
+            <a:endParaRPr lang="zh-CN" altLang="en-US" sz="2000"/>
+          </a:p>
+          <a:p>
+            <a:r>
+              <a:rPr lang="zh-CN" altLang="en-US" sz="2000"/>
+              <a:t>    1022 forks</a:t>
+            </a:r>
+            <a:endParaRPr lang="zh-CN" altLang="en-US" sz="2000"/>
+          </a:p>
+        </p:txBody>
+      </p:sp>
+    </p:spTree>
+  </p:cSld>
+  <p:clrMapOvr>
+    <a:masterClrMapping/>
+  </p:clrMapOvr>
+</p:sld>
+</file>
+
+<file path=ppt/slides/slide25.xml><?xml version="1.0" encoding="utf-8"?>
+<p:sld xmlns:a="http://schemas.openxmlformats.org/drawingml/2006/main" xmlns:r="http://schemas.openxmlformats.org/officeDocument/2006/relationships" xmlns:p="http://schemas.openxmlformats.org/presentationml/2006/main">
+  <p:cSld>
+    <p:spTree>
+      <p:nvGrpSpPr>
+        <p:cNvPr id="1" name=""/>
+        <p:cNvGrpSpPr/>
+        <p:nvPr/>
+      </p:nvGrpSpPr>
+      <p:grpSpPr/>
+      <p:sp>
+        <p:nvSpPr>
+          <p:cNvPr id="2" name="日期占位符 1"/>
+          <p:cNvSpPr>
+            <a:spLocks noGrp="1"/>
+          </p:cNvSpPr>
+          <p:nvPr>
+            <p:ph type="dt" sz="half" idx="10"/>
+          </p:nvPr>
+        </p:nvSpPr>
+        <p:spPr/>
+        <p:txBody>
+          <a:bodyPr/>
+          <a:p>
+            <a:r>
+              <a:rPr lang="en-US" altLang="zh-CN" dirty="0" smtClean="0"/>
+              <a:t>2013.05.04</a:t>
+            </a:r>
+            <a:endParaRPr lang="zh-CN" altLang="en-US" dirty="0"/>
+          </a:p>
+        </p:txBody>
+      </p:sp>
+      <p:sp>
+        <p:nvSpPr>
+          <p:cNvPr id="3" name="灯片编号占位符 2"/>
+          <p:cNvSpPr>
+            <a:spLocks noGrp="1"/>
+          </p:cNvSpPr>
+          <p:nvPr>
+            <p:ph type="sldNum" sz="quarter" idx="12"/>
+          </p:nvPr>
+        </p:nvSpPr>
+        <p:spPr/>
+        <p:txBody>
+          <a:bodyPr/>
+          <a:p>
+            <a:fld id="{0C913308-F349-4B6D-A68A-DD1791B4A57B}" type="slidenum">
+              <a:rPr lang="zh-CN" altLang="en-US" smtClean="0"/>
+            </a:fld>
+            <a:endParaRPr lang="zh-CN" altLang="en-US"/>
+          </a:p>
+        </p:txBody>
+      </p:sp>
+      <p:sp>
+        <p:nvSpPr>
+          <p:cNvPr id="4" name="文本框 3"/>
+          <p:cNvSpPr txBox="1"/>
+          <p:nvPr/>
+        </p:nvSpPr>
+        <p:spPr>
+          <a:xfrm>
+            <a:off x="261620" y="1993900"/>
+            <a:ext cx="8620760" cy="1476375"/>
+          </a:xfrm>
+          <a:prstGeom prst="rect">
+            <a:avLst/>
+          </a:prstGeom>
+          <a:noFill/>
+        </p:spPr>
+        <p:txBody>
+          <a:bodyPr wrap="square" rtlCol="0" anchor="t">
+            <a:spAutoFit/>
+          </a:bodyPr>
+          <a:p>
+            <a:r>
+              <a:rPr lang="en-US" altLang="zh-CN" b="1">
+                <a:latin typeface="+mn-ea"/>
+              </a:rPr>
+              <a:t>websocket</a:t>
+            </a:r>
+            <a:r>
+              <a:rPr lang="zh-CN" altLang="en-US" b="1">
+                <a:latin typeface="+mn-ea"/>
+              </a:rPr>
+              <a:t>实现的消息推送服务器</a:t>
+            </a:r>
+            <a:endParaRPr lang="zh-CN" altLang="en-US" b="1">
+              <a:latin typeface="+mn-ea"/>
+            </a:endParaRPr>
+          </a:p>
+          <a:p>
+            <a:r>
+              <a:rPr lang="zh-CN" altLang="en-US">
+                <a:latin typeface="+mn-ea"/>
+              </a:rPr>
+              <a:t>https://github.com/yuanyuexiang/WebsocketServer</a:t>
+            </a:r>
+            <a:endParaRPr lang="zh-CN" altLang="en-US">
+              <a:latin typeface="+mn-ea"/>
+            </a:endParaRPr>
+          </a:p>
+          <a:p>
+            <a:endParaRPr lang="zh-CN" altLang="en-US">
+              <a:latin typeface="+mn-ea"/>
+            </a:endParaRPr>
+          </a:p>
+          <a:p>
+            <a:r>
+              <a:rPr lang="zh-CN" altLang="en-US" b="1">
+                <a:latin typeface="+mn-ea"/>
+              </a:rPr>
+              <a:t>使用</a:t>
+            </a:r>
+            <a:r>
+              <a:rPr lang="en-US" altLang="zh-CN" b="1">
+                <a:latin typeface="+mn-ea"/>
+              </a:rPr>
+              <a:t>beego</a:t>
+            </a:r>
+            <a:r>
+              <a:rPr lang="zh-CN" altLang="en-US" b="1">
+                <a:latin typeface="+mn-ea"/>
+              </a:rPr>
+              <a:t>框架开发的微服务应用</a:t>
+            </a:r>
+            <a:endParaRPr lang="zh-CN" altLang="en-US" b="1">
+              <a:latin typeface="+mn-ea"/>
+            </a:endParaRPr>
+          </a:p>
+          <a:p>
+            <a:r>
+              <a:rPr lang="zh-CN" altLang="en-US">
+                <a:latin typeface="+mn-ea"/>
+              </a:rPr>
+              <a:t>https://github.com/yuanyuexiang/homework</a:t>
+            </a:r>
+            <a:endParaRPr lang="zh-CN" altLang="en-US">
+              <a:latin typeface="+mn-ea"/>
+            </a:endParaRPr>
+          </a:p>
+        </p:txBody>
+      </p:sp>
+    </p:spTree>
+  </p:cSld>
+  <p:clrMapOvr>
+    <a:masterClrMapping/>
+  </p:clrMapOvr>
+</p:sld>
+</file>
+
+<file path=ppt/slides/slide26.xml><?xml version="1.0" encoding="utf-8"?>
+<p:sld xmlns:a="http://schemas.openxmlformats.org/drawingml/2006/main" xmlns:r="http://schemas.openxmlformats.org/officeDocument/2006/relationships" xmlns:p="http://schemas.openxmlformats.org/presentationml/2006/main">
+  <p:cSld>
+    <p:spTree>
+      <p:nvGrpSpPr>
+        <p:cNvPr id="1" name=""/>
+        <p:cNvGrpSpPr/>
+        <p:nvPr/>
+      </p:nvGrpSpPr>
+      <p:grpSpPr/>
+      <p:sp>
+        <p:nvSpPr>
+          <p:cNvPr id="2" name="日期占位符 1"/>
+          <p:cNvSpPr>
+            <a:spLocks noGrp="1"/>
+          </p:cNvSpPr>
+          <p:nvPr>
+            <p:ph type="dt" sz="half" idx="10"/>
+          </p:nvPr>
+        </p:nvSpPr>
+        <p:spPr/>
+        <p:txBody>
+          <a:bodyPr/>
+          <a:p>
+            <a:r>
+              <a:rPr lang="en-US" altLang="zh-CN" dirty="0" smtClean="0"/>
+              <a:t>2013.05.04</a:t>
+            </a:r>
+            <a:endParaRPr lang="zh-CN" altLang="en-US" dirty="0"/>
+          </a:p>
+        </p:txBody>
+      </p:sp>
+      <p:sp>
+        <p:nvSpPr>
+          <p:cNvPr id="3" name="灯片编号占位符 2"/>
+          <p:cNvSpPr>
+            <a:spLocks noGrp="1"/>
+          </p:cNvSpPr>
+          <p:nvPr>
+            <p:ph type="sldNum" sz="quarter" idx="12"/>
+          </p:nvPr>
+        </p:nvSpPr>
+        <p:spPr/>
+        <p:txBody>
+          <a:bodyPr/>
+          <a:p>
+            <a:fld id="{0C913308-F349-4B6D-A68A-DD1791B4A57B}" type="slidenum">
+              <a:rPr lang="zh-CN" altLang="en-US" smtClean="0"/>
+            </a:fld>
+            <a:endParaRPr lang="zh-CN" altLang="en-US"/>
+          </a:p>
+        </p:txBody>
+      </p:sp>
+      <p:sp>
+        <p:nvSpPr>
+          <p:cNvPr id="4" name="文本框 3"/>
+          <p:cNvSpPr txBox="1"/>
+          <p:nvPr/>
+        </p:nvSpPr>
+        <p:spPr>
+          <a:xfrm>
+            <a:off x="566420" y="622935"/>
+            <a:ext cx="7856220" cy="4246245"/>
+          </a:xfrm>
+          <a:prstGeom prst="rect">
+            <a:avLst/>
+          </a:prstGeom>
+          <a:noFill/>
+        </p:spPr>
+        <p:txBody>
+          <a:bodyPr wrap="square" rtlCol="0" anchor="t">
+            <a:spAutoFit/>
+          </a:bodyPr>
+          <a:p>
+            <a:r>
+              <a:rPr lang="zh-CN" altLang="en-US" sz="3600" b="1"/>
+              <a:t>package main</a:t>
+            </a:r>
+            <a:endParaRPr lang="zh-CN" altLang="en-US" sz="3600" b="1"/>
+          </a:p>
+          <a:p>
+            <a:endParaRPr lang="zh-CN" altLang="en-US" sz="3600" b="1"/>
+          </a:p>
+          <a:p>
+            <a:r>
+              <a:rPr lang="zh-CN" altLang="en-US" sz="3600" b="1"/>
+              <a:t>import  "fmt"</a:t>
+            </a:r>
+            <a:endParaRPr lang="zh-CN" altLang="en-US" sz="3600" b="1"/>
+          </a:p>
+          <a:p>
+            <a:endParaRPr lang="zh-CN" altLang="en-US" sz="3600" b="1"/>
+          </a:p>
+          <a:p>
+            <a:r>
+              <a:rPr lang="zh-CN" altLang="en-US" sz="3600" b="1"/>
+              <a:t>func main() {</a:t>
+            </a:r>
+            <a:endParaRPr lang="zh-CN" altLang="en-US" sz="3600" b="1"/>
+          </a:p>
+          <a:p>
+            <a:r>
+              <a:rPr lang="en-US" altLang="zh-CN" sz="3600" b="1"/>
+              <a:t>	</a:t>
+            </a:r>
+            <a:r>
+              <a:rPr lang="en-US" altLang="zh-CN" sz="3600" b="1">
+                <a:solidFill>
+                  <a:srgbClr val="FF0000"/>
+                </a:solidFill>
+              </a:rPr>
+              <a:t>go</a:t>
+            </a:r>
+            <a:r>
+              <a:rPr lang="en-US" altLang="zh-CN" sz="3600" b="1"/>
+              <a:t> </a:t>
+            </a:r>
+            <a:r>
+              <a:rPr lang="zh-CN" altLang="en-US" sz="3600" b="1"/>
+              <a:t>fmt.Println("</a:t>
+            </a:r>
+            <a:r>
+              <a:rPr lang="zh-CN" altLang="en-US" sz="5400" b="1">
+                <a:solidFill>
+                  <a:srgbClr val="FF0000"/>
+                </a:solidFill>
+              </a:rPr>
+              <a:t>请提问！</a:t>
+            </a:r>
+            <a:r>
+              <a:rPr lang="zh-CN" altLang="en-US" sz="3600" b="1"/>
+              <a:t>")</a:t>
+            </a:r>
+            <a:endParaRPr lang="zh-CN" altLang="en-US" sz="3600" b="1"/>
+          </a:p>
+          <a:p>
+            <a:r>
+              <a:rPr lang="zh-CN" altLang="en-US" sz="3600" b="1"/>
+              <a:t>}</a:t>
+            </a:r>
+            <a:endParaRPr lang="zh-CN" altLang="en-US" sz="3600" b="1"/>
+          </a:p>
+        </p:txBody>
+      </p:sp>
+    </p:spTree>
+  </p:cSld>
+  <p:clrMapOvr>
+    <a:masterClrMapping/>
+  </p:clrMapOvr>
+</p:sld>
+</file>
+
+<file path=ppt/slides/slide27.xml><?xml version="1.0" encoding="utf-8"?>
 <p:sld xmlns:a="http://schemas.openxmlformats.org/drawingml/2006/main" xmlns:r="http://schemas.openxmlformats.org/officeDocument/2006/relationships" xmlns:p="http://schemas.openxmlformats.org/presentationml/2006/main">
   <p:cSld>
     <p:spTree>
@@ -2191,214 +4286,6 @@
           </a:extLst>
         </p:spPr>
       </p:pic>
-    </p:spTree>
-  </p:cSld>
-  <p:clrMapOvr>
-    <a:masterClrMapping/>
-  </p:clrMapOvr>
-  <p:timing>
-    <p:tnLst>
-      <p:par>
-        <p:cTn id="1" dur="indefinite" restart="never" nodeType="tmRoot"/>
-      </p:par>
-    </p:tnLst>
-  </p:timing>
-</p:sld>
-</file>
-
-<file path=ppt/slides/slide2.xml><?xml version="1.0" encoding="utf-8"?>
-<p:sld xmlns:a="http://schemas.openxmlformats.org/drawingml/2006/main" xmlns:r="http://schemas.openxmlformats.org/officeDocument/2006/relationships" xmlns:p="http://schemas.openxmlformats.org/presentationml/2006/main">
-  <p:cSld>
-    <p:spTree>
-      <p:nvGrpSpPr>
-        <p:cNvPr id="1" name=""/>
-        <p:cNvGrpSpPr/>
-        <p:nvPr/>
-      </p:nvGrpSpPr>
-      <p:grpSpPr>
-        <a:xfrm>
-          <a:off x="0" y="0"/>
-          <a:ext cx="0" cy="0"/>
-          <a:chOff x="0" y="0"/>
-          <a:chExt cx="0" cy="0"/>
-        </a:xfrm>
-      </p:grpSpPr>
-      <p:sp>
-        <p:nvSpPr>
-          <p:cNvPr id="3" name="灯片编号占位符 2"/>
-          <p:cNvSpPr>
-            <a:spLocks noGrp="1"/>
-          </p:cNvSpPr>
-          <p:nvPr>
-            <p:ph type="sldNum" sz="quarter" idx="12"/>
-          </p:nvPr>
-        </p:nvSpPr>
-        <p:spPr/>
-        <p:txBody>
-          <a:bodyPr/>
-          <a:lstStyle/>
-          <a:p>
-            <a:fld id="{0C913308-F349-4B6D-A68A-DD1791B4A57B}" type="slidenum">
-              <a:rPr lang="zh-CN" altLang="en-US" smtClean="0"/>
-            </a:fld>
-            <a:endParaRPr lang="zh-CN" altLang="en-US"/>
-          </a:p>
-        </p:txBody>
-      </p:sp>
-      <p:sp>
-        <p:nvSpPr>
-          <p:cNvPr id="6" name="TextBox 5"/>
-          <p:cNvSpPr txBox="1"/>
-          <p:nvPr/>
-        </p:nvSpPr>
-        <p:spPr>
-          <a:xfrm>
-            <a:off x="1331640" y="2106459"/>
-            <a:ext cx="5400600" cy="579120"/>
-          </a:xfrm>
-          <a:prstGeom prst="rect">
-            <a:avLst/>
-          </a:prstGeom>
-          <a:noFill/>
-        </p:spPr>
-        <p:txBody>
-          <a:bodyPr wrap="square" rtlCol="0">
-            <a:spAutoFit/>
-          </a:bodyPr>
-          <a:lstStyle/>
-          <a:p>
-            <a:r>
-              <a:rPr lang="en-US" altLang="zh-CN" sz="3200" b="1" dirty="0" smtClean="0">
-                <a:latin typeface="+mn-ea"/>
-              </a:rPr>
-              <a:t>GO</a:t>
-            </a:r>
-            <a:r>
-              <a:rPr lang="zh-CN" altLang="en-US" sz="3200" b="1" dirty="0" smtClean="0">
-                <a:latin typeface="+mn-ea"/>
-              </a:rPr>
-              <a:t>并发的实验</a:t>
-            </a:r>
-            <a:endParaRPr lang="en-US" altLang="zh-CN" sz="3200" b="1" dirty="0">
-              <a:latin typeface="+mn-ea"/>
-            </a:endParaRPr>
-          </a:p>
-        </p:txBody>
-      </p:sp>
-      <p:sp>
-        <p:nvSpPr>
-          <p:cNvPr id="7" name="TextBox 6"/>
-          <p:cNvSpPr txBox="1"/>
-          <p:nvPr/>
-        </p:nvSpPr>
-        <p:spPr>
-          <a:xfrm>
-            <a:off x="1331640" y="4796319"/>
-            <a:ext cx="5400600" cy="579120"/>
-          </a:xfrm>
-          <a:prstGeom prst="rect">
-            <a:avLst/>
-          </a:prstGeom>
-          <a:noFill/>
-        </p:spPr>
-        <p:txBody>
-          <a:bodyPr wrap="square" rtlCol="0">
-            <a:spAutoFit/>
-          </a:bodyPr>
-          <a:lstStyle/>
-          <a:p>
-            <a:r>
-              <a:rPr lang="en-US" altLang="zh-CN" sz="3200" b="1" dirty="0" smtClean="0">
-                <a:latin typeface="+mn-ea"/>
-              </a:rPr>
-              <a:t>GO</a:t>
-            </a:r>
-            <a:r>
-              <a:rPr lang="zh-CN" altLang="en-US" sz="3200" b="1" dirty="0" smtClean="0">
-                <a:latin typeface="+mn-ea"/>
-              </a:rPr>
-              <a:t>的基本语法</a:t>
-            </a:r>
-            <a:endParaRPr lang="zh-CN" altLang="en-US" sz="3200" b="1" dirty="0">
-              <a:latin typeface="+mn-ea"/>
-            </a:endParaRPr>
-          </a:p>
-        </p:txBody>
-      </p:sp>
-      <p:sp>
-        <p:nvSpPr>
-          <p:cNvPr id="8" name="TextBox 7"/>
-          <p:cNvSpPr txBox="1"/>
-          <p:nvPr/>
-        </p:nvSpPr>
-        <p:spPr>
-          <a:xfrm>
-            <a:off x="1331640" y="3451389"/>
-            <a:ext cx="5400600" cy="579120"/>
-          </a:xfrm>
-          <a:prstGeom prst="rect">
-            <a:avLst/>
-          </a:prstGeom>
-          <a:noFill/>
-        </p:spPr>
-        <p:txBody>
-          <a:bodyPr wrap="square" rtlCol="0">
-            <a:spAutoFit/>
-          </a:bodyPr>
-          <a:lstStyle/>
-          <a:p>
-            <a:r>
-              <a:rPr lang="en-US" altLang="zh-CN" sz="3200" b="1" dirty="0" smtClean="0">
-                <a:latin typeface="+mn-ea"/>
-              </a:rPr>
-              <a:t>GO</a:t>
-            </a:r>
-            <a:r>
-              <a:rPr lang="zh-CN" altLang="en-US" sz="3200" b="1" dirty="0" smtClean="0">
-                <a:latin typeface="+mn-ea"/>
-              </a:rPr>
-              <a:t>语音的其他特点</a:t>
-            </a:r>
-            <a:endParaRPr lang="zh-CN" altLang="en-US" sz="3200" b="1" dirty="0">
-              <a:latin typeface="+mn-ea"/>
-            </a:endParaRPr>
-          </a:p>
-        </p:txBody>
-      </p:sp>
-      <p:sp>
-        <p:nvSpPr>
-          <p:cNvPr id="5" name="TextBox 4"/>
-          <p:cNvSpPr txBox="1"/>
-          <p:nvPr/>
-        </p:nvSpPr>
-        <p:spPr>
-          <a:xfrm>
-            <a:off x="1331640" y="764704"/>
-            <a:ext cx="5400600" cy="579120"/>
-          </a:xfrm>
-          <a:prstGeom prst="rect">
-            <a:avLst/>
-          </a:prstGeom>
-          <a:noFill/>
-        </p:spPr>
-        <p:txBody>
-          <a:bodyPr wrap="square" rtlCol="0">
-            <a:spAutoFit/>
-          </a:bodyPr>
-          <a:lstStyle/>
-          <a:p>
-            <a:r>
-              <a:rPr lang="zh-CN" altLang="en-US" sz="3200" b="1" dirty="0" smtClean="0">
-                <a:latin typeface="+mn-ea"/>
-              </a:rPr>
-              <a:t>并发开发的历史</a:t>
-            </a:r>
-            <a:endParaRPr lang="zh-CN" altLang="en-US" sz="3200" b="1" dirty="0" smtClean="0">
-              <a:latin typeface="+mn-ea"/>
-            </a:endParaRPr>
-          </a:p>
-        </p:txBody>
-      </p:sp>
     </p:spTree>
   </p:cSld>
   <p:clrMapOvr>
